--- a/streamlit-chat/pages/Doc AI Prep.pptx
+++ b/streamlit-chat/pages/Doc AI Prep.pptx
@@ -5,42 +5,41 @@
     <p:sldMasterId id="2147483691" r:id="rId1"/>
   </p:sldMasterIdLst>
   <p:notesMasterIdLst>
-    <p:notesMasterId r:id="rId4"/>
+    <p:notesMasterId r:id="rId3"/>
   </p:notesMasterIdLst>
   <p:sldIdLst>
     <p:sldId id="257" r:id="rId2"/>
-    <p:sldId id="262" r:id="rId3"/>
   </p:sldIdLst>
   <p:sldSz cx="9144000" cy="5143500" type="screen16x9"/>
   <p:notesSz cx="6858000" cy="9144000"/>
   <p:embeddedFontLst>
     <p:embeddedFont>
       <p:font typeface="Google Sans" panose="020B0503030502040204" pitchFamily="34" charset="0"/>
-      <p:regular r:id="rId5"/>
-      <p:bold r:id="rId6"/>
-      <p:italic r:id="rId7"/>
-      <p:boldItalic r:id="rId8"/>
+      <p:regular r:id="rId4"/>
+      <p:bold r:id="rId5"/>
+      <p:italic r:id="rId6"/>
+      <p:boldItalic r:id="rId7"/>
     </p:embeddedFont>
     <p:embeddedFont>
       <p:font typeface="Google Sans Medium" panose="020B0503030502040204" pitchFamily="34" charset="0"/>
-      <p:regular r:id="rId9"/>
-      <p:bold r:id="rId10"/>
-      <p:italic r:id="rId11"/>
-      <p:boldItalic r:id="rId12"/>
+      <p:regular r:id="rId8"/>
+      <p:bold r:id="rId9"/>
+      <p:italic r:id="rId10"/>
+      <p:boldItalic r:id="rId11"/>
     </p:embeddedFont>
     <p:embeddedFont>
       <p:font typeface="Helvetica Neue Light" panose="02000503000000020004" pitchFamily="2" charset="0"/>
-      <p:regular r:id="rId13"/>
-      <p:bold r:id="rId14"/>
-      <p:italic r:id="rId15"/>
-      <p:boldItalic r:id="rId16"/>
+      <p:regular r:id="rId12"/>
+      <p:bold r:id="rId13"/>
+      <p:italic r:id="rId14"/>
+      <p:boldItalic r:id="rId15"/>
     </p:embeddedFont>
     <p:embeddedFont>
       <p:font typeface="Roboto" panose="02000000000000000000" pitchFamily="2" charset="0"/>
-      <p:regular r:id="rId17"/>
-      <p:bold r:id="rId18"/>
-      <p:italic r:id="rId19"/>
-      <p:boldItalic r:id="rId20"/>
+      <p:regular r:id="rId16"/>
+      <p:bold r:id="rId17"/>
+      <p:italic r:id="rId18"/>
+      <p:boldItalic r:id="rId19"/>
     </p:embeddedFont>
   </p:embeddedFontLst>
   <p:defaultTextStyle>
@@ -904,226 +903,6 @@
               </a:spcAft>
               <a:buNone/>
             </a:pPr>
-            <a:endParaRPr/>
-          </a:p>
-        </p:txBody>
-      </p:sp>
-    </p:spTree>
-  </p:cSld>
-  <p:clrMapOvr>
-    <a:masterClrMapping/>
-  </p:clrMapOvr>
-</p:notes>
-</file>
-
-<file path=ppt/notesSlides/notesSlide2.xml><?xml version="1.0" encoding="utf-8"?>
-<p:notes xmlns:a="http://schemas.openxmlformats.org/drawingml/2006/main" xmlns:r="http://schemas.openxmlformats.org/officeDocument/2006/relationships" xmlns:p="http://schemas.openxmlformats.org/presentationml/2006/main" showMasterSp="0" showMasterPhAnim="0">
-  <p:cSld>
-    <p:spTree>
-      <p:nvGrpSpPr>
-        <p:cNvPr id="1" name="Shape 483"/>
-        <p:cNvGrpSpPr/>
-        <p:nvPr/>
-      </p:nvGrpSpPr>
-      <p:grpSpPr>
-        <a:xfrm>
-          <a:off x="0" y="0"/>
-          <a:ext cx="0" cy="0"/>
-          <a:chOff x="0" y="0"/>
-          <a:chExt cx="0" cy="0"/>
-        </a:xfrm>
-      </p:grpSpPr>
-      <p:sp>
-        <p:nvSpPr>
-          <p:cNvPr id="484" name="Google Shape;484;g260058dbd0f_0_0:notes"/>
-          <p:cNvSpPr>
-            <a:spLocks noGrp="1" noRot="1" noChangeAspect="1"/>
-          </p:cNvSpPr>
-          <p:nvPr>
-            <p:ph type="sldImg" idx="2"/>
-          </p:nvPr>
-        </p:nvSpPr>
-        <p:spPr>
-          <a:xfrm>
-            <a:off x="381300" y="685800"/>
-            <a:ext cx="6096000" cy="3429000"/>
-          </a:xfrm>
-          <a:custGeom>
-            <a:avLst/>
-            <a:gdLst/>
-            <a:ahLst/>
-            <a:cxnLst/>
-            <a:rect l="l" t="t" r="r" b="b"/>
-            <a:pathLst>
-              <a:path w="120000" h="120000" extrusionOk="0">
-                <a:moveTo>
-                  <a:pt x="0" y="0"/>
-                </a:moveTo>
-                <a:lnTo>
-                  <a:pt x="120000" y="0"/>
-                </a:lnTo>
-                <a:lnTo>
-                  <a:pt x="120000" y="120000"/>
-                </a:lnTo>
-                <a:lnTo>
-                  <a:pt x="0" y="120000"/>
-                </a:lnTo>
-                <a:close/>
-              </a:path>
-            </a:pathLst>
-          </a:custGeom>
-        </p:spPr>
-      </p:sp>
-      <p:sp>
-        <p:nvSpPr>
-          <p:cNvPr id="485" name="Google Shape;485;g260058dbd0f_0_0:notes"/>
-          <p:cNvSpPr txBox="1">
-            <a:spLocks noGrp="1"/>
-          </p:cNvSpPr>
-          <p:nvPr>
-            <p:ph type="body" idx="1"/>
-          </p:nvPr>
-        </p:nvSpPr>
-        <p:spPr>
-          <a:xfrm>
-            <a:off x="685800" y="4343400"/>
-            <a:ext cx="5486400" cy="4114800"/>
-          </a:xfrm>
-          <a:prstGeom prst="rect">
-            <a:avLst/>
-          </a:prstGeom>
-        </p:spPr>
-        <p:txBody>
-          <a:bodyPr spcFirstLastPara="1" wrap="square" lIns="91425" tIns="91425" rIns="91425" bIns="91425" anchor="t" anchorCtr="0">
-            <a:noAutofit/>
-          </a:bodyPr>
-          <a:lstStyle/>
-          <a:p>
-            <a:pPr marL="0" lvl="0" indent="0" algn="l" rtl="0">
-              <a:spcBef>
-                <a:spcPts val="0"/>
-              </a:spcBef>
-              <a:spcAft>
-                <a:spcPts val="0"/>
-              </a:spcAft>
-              <a:buNone/>
-            </a:pPr>
-            <a:r>
-              <a:rPr lang="en"/>
-              <a:t>Azure Text Analytics - Natural Language AI</a:t>
-            </a:r>
-            <a:endParaRPr/>
-          </a:p>
-          <a:p>
-            <a:pPr marL="0" lvl="0" indent="0" algn="l" rtl="0">
-              <a:spcBef>
-                <a:spcPts val="0"/>
-              </a:spcBef>
-              <a:spcAft>
-                <a:spcPts val="0"/>
-              </a:spcAft>
-              <a:buNone/>
-            </a:pPr>
-            <a:r>
-              <a:rPr lang="en"/>
-              <a:t>Azure Computer Vision - Vision AI</a:t>
-            </a:r>
-            <a:endParaRPr/>
-          </a:p>
-          <a:p>
-            <a:pPr marL="0" lvl="0" indent="0" algn="l" rtl="0">
-              <a:spcBef>
-                <a:spcPts val="0"/>
-              </a:spcBef>
-              <a:spcAft>
-                <a:spcPts val="0"/>
-              </a:spcAft>
-              <a:buNone/>
-            </a:pPr>
-            <a:r>
-              <a:rPr lang="en"/>
-              <a:t>Azure Custom Vision - Vision AI*</a:t>
-            </a:r>
-            <a:endParaRPr/>
-          </a:p>
-          <a:p>
-            <a:pPr marL="0" lvl="0" indent="0" algn="l" rtl="0">
-              <a:spcBef>
-                <a:spcPts val="0"/>
-              </a:spcBef>
-              <a:spcAft>
-                <a:spcPts val="0"/>
-              </a:spcAft>
-              <a:buNone/>
-            </a:pPr>
-            <a:r>
-              <a:rPr lang="en"/>
-              <a:t>Azure Translator - Translation AI</a:t>
-            </a:r>
-            <a:endParaRPr/>
-          </a:p>
-          <a:p>
-            <a:pPr marL="0" lvl="0" indent="0" algn="l" rtl="0">
-              <a:spcBef>
-                <a:spcPts val="0"/>
-              </a:spcBef>
-              <a:spcAft>
-                <a:spcPts val="0"/>
-              </a:spcAft>
-              <a:buNone/>
-            </a:pPr>
-            <a:r>
-              <a:rPr lang="en"/>
-              <a:t>Azure Speech to Text - Speech to Text</a:t>
-            </a:r>
-            <a:endParaRPr/>
-          </a:p>
-          <a:p>
-            <a:pPr marL="0" lvl="0" indent="0" algn="l" rtl="0">
-              <a:spcBef>
-                <a:spcPts val="0"/>
-              </a:spcBef>
-              <a:spcAft>
-                <a:spcPts val="0"/>
-              </a:spcAft>
-              <a:buNone/>
-            </a:pPr>
-            <a:r>
-              <a:rPr lang="en"/>
-              <a:t>Azure Form Recognizer - Doc AI </a:t>
-            </a:r>
-            <a:endParaRPr/>
-          </a:p>
-          <a:p>
-            <a:pPr marL="0" lvl="0" indent="0" algn="l" rtl="0">
-              <a:spcBef>
-                <a:spcPts val="0"/>
-              </a:spcBef>
-              <a:spcAft>
-                <a:spcPts val="0"/>
-              </a:spcAft>
-              <a:buNone/>
-            </a:pPr>
-            <a:r>
-              <a:rPr lang="en"/>
-              <a:t>Azure Open AI - Vertex AI/PaLM Models </a:t>
-            </a:r>
-            <a:endParaRPr/>
-          </a:p>
-          <a:p>
-            <a:pPr marL="0" lvl="0" indent="0" algn="l" rtl="0">
-              <a:spcBef>
-                <a:spcPts val="0"/>
-              </a:spcBef>
-              <a:spcAft>
-                <a:spcPts val="0"/>
-              </a:spcAft>
-              <a:buNone/>
-            </a:pPr>
-            <a:r>
-              <a:rPr lang="en"/>
-              <a:t>Azure Databricks - Dataproc</a:t>
-            </a:r>
             <a:endParaRPr/>
           </a:p>
         </p:txBody>
@@ -49859,58 +49638,6 @@
 </p:sld>
 </file>
 
-<file path=ppt/slides/slide2.xml><?xml version="1.0" encoding="utf-8"?>
-<p:sld xmlns:a="http://schemas.openxmlformats.org/drawingml/2006/main" xmlns:r="http://schemas.openxmlformats.org/officeDocument/2006/relationships" xmlns:p="http://schemas.openxmlformats.org/presentationml/2006/main">
-  <p:cSld>
-    <p:spTree>
-      <p:nvGrpSpPr>
-        <p:cNvPr id="1" name="Shape 486"/>
-        <p:cNvGrpSpPr/>
-        <p:nvPr/>
-      </p:nvGrpSpPr>
-      <p:grpSpPr>
-        <a:xfrm>
-          <a:off x="0" y="0"/>
-          <a:ext cx="0" cy="0"/>
-          <a:chOff x="0" y="0"/>
-          <a:chExt cx="0" cy="0"/>
-        </a:xfrm>
-      </p:grpSpPr>
-      <p:pic>
-        <p:nvPicPr>
-          <p:cNvPr id="487" name="Google Shape;487;p51"/>
-          <p:cNvPicPr preferRelativeResize="0"/>
-          <p:nvPr/>
-        </p:nvPicPr>
-        <p:blipFill rotWithShape="1">
-          <a:blip r:embed="rId3">
-            <a:alphaModFix/>
-          </a:blip>
-          <a:srcRect/>
-          <a:stretch/>
-        </p:blipFill>
-        <p:spPr>
-          <a:xfrm>
-            <a:off x="170750" y="295775"/>
-            <a:ext cx="8428848" cy="2197175"/>
-          </a:xfrm>
-          <a:prstGeom prst="rect">
-            <a:avLst/>
-          </a:prstGeom>
-          <a:noFill/>
-          <a:ln>
-            <a:noFill/>
-          </a:ln>
-        </p:spPr>
-      </p:pic>
-    </p:spTree>
-  </p:cSld>
-  <p:clrMapOvr>
-    <a:masterClrMapping/>
-  </p:clrMapOvr>
-</p:sld>
-</file>
-
 <file path=ppt/theme/theme1.xml><?xml version="1.0" encoding="utf-8"?>
 <a:theme xmlns:a="http://schemas.openxmlformats.org/drawingml/2006/main" name="Google GBO Template">
   <a:themeElements>
